--- a/test/pptx/speaker-notes-afterheader/deleted-layouts.pptx
+++ b/test/pptx/speaker-notes-afterheader/deleted-layouts.pptx
@@ -3356,6 +3356,9 @@
   <p:clrMap accent1="accent1" accent2="accent2" accent3="accent3" accent4="accent4" accent5="accent5" accent6="accent6" bg1="dk1" bg2="dk2" folHlink="folHlink" hlink="hlink" tx1="lt1" tx2="lt2"/>
   <p:sldLayoutIdLst>
     <p:sldLayoutId id="2147483649" r:id="rId1"/>
+    <p:sldLayoutId id="2147483655" r:id="rId9"/>
+    <p:sldLayoutId id="2147483654" r:id="rId8"/>
+    <p:sldLayoutId id="2147483653" r:id="rId7"/>
     <p:sldLayoutId id="2147483652" r:id="rId6"/>
     <p:sldLayoutId id="2147483651" r:id="rId5"/>
     <p:sldLayoutId id="2147483650" r:id="rId4"/>

--- a/test/pptx/speaker-notes-afterheader/deleted-layouts.pptx
+++ b/test/pptx/speaker-notes-afterheader/deleted-layouts.pptx
@@ -5,7 +5,7 @@
     <p:sldMasterId id="2147483648" r:id="rId1"/>
   </p:sldMasterIdLst>
   <p:notesMasterIdLst>
-    <p:NotesMasterId r:id="rId3"/>
+    <p:notesMasterId r:id="rId3"/>
   </p:notesMasterIdLst>
   <p:sldIdLst>
     <p:sldId id="256" r:id="rId2"/>

--- a/test/pptx/speaker-notes-afterheader/deleted-layouts.pptx
+++ b/test/pptx/speaker-notes-afterheader/deleted-layouts.pptx
@@ -514,39 +514,7 @@
             </a:pPr>
             <a:r>
               <a:rPr/>
-              <a:t>and</a:t>
-            </a:r>
-            <a:r>
-              <a:rPr/>
-              <a:t> </a:t>
-            </a:r>
-            <a:r>
-              <a:rPr/>
-              <a:t>here</a:t>
-            </a:r>
-            <a:r>
-              <a:rPr/>
-              <a:t> </a:t>
-            </a:r>
-            <a:r>
-              <a:rPr/>
-              <a:t>are</a:t>
-            </a:r>
-            <a:r>
-              <a:rPr/>
-              <a:t> </a:t>
-            </a:r>
-            <a:r>
-              <a:rPr/>
-              <a:t>some</a:t>
-            </a:r>
-            <a:r>
-              <a:rPr/>
-              <a:t> </a:t>
-            </a:r>
-            <a:r>
-              <a:rPr/>
-              <a:t>notes</a:t>
+              <a:t>and here are some notes</a:t>
             </a:r>
           </a:p>
         </p:txBody>
@@ -3799,39 +3767,7 @@
             </a:pPr>
             <a:r>
               <a:rPr/>
-              <a:t>Here</a:t>
-            </a:r>
-            <a:r>
-              <a:rPr/>
-              <a:t> </a:t>
-            </a:r>
-            <a:r>
-              <a:rPr/>
-              <a:t>is</a:t>
-            </a:r>
-            <a:r>
-              <a:rPr/>
-              <a:t> </a:t>
-            </a:r>
-            <a:r>
-              <a:rPr/>
-              <a:t>a</a:t>
-            </a:r>
-            <a:r>
-              <a:rPr/>
-              <a:t> </a:t>
-            </a:r>
-            <a:r>
-              <a:rPr/>
-              <a:t>single</a:t>
-            </a:r>
-            <a:r>
-              <a:rPr/>
-              <a:t> </a:t>
-            </a:r>
-            <a:r>
-              <a:rPr/>
-              <a:t>header</a:t>
+              <a:t>Here is a single header</a:t>
             </a:r>
           </a:p>
         </p:txBody>

--- a/test/pptx/speaker-notes-afterheader/deleted-layouts.pptx
+++ b/test/pptx/speaker-notes-afterheader/deleted-layouts.pptx
@@ -514,35 +514,19 @@
             </a:pPr>
             <a:r>
               <a:rPr/>
-              <a:t>and</a:t>
+              <a:t>and </a:t>
             </a:r>
             <a:r>
               <a:rPr/>
-              <a:t> </a:t>
+              <a:t>here </a:t>
             </a:r>
             <a:r>
               <a:rPr/>
-              <a:t>here</a:t>
+              <a:t>are </a:t>
             </a:r>
             <a:r>
               <a:rPr/>
-              <a:t> </a:t>
-            </a:r>
-            <a:r>
-              <a:rPr/>
-              <a:t>are</a:t>
-            </a:r>
-            <a:r>
-              <a:rPr/>
-              <a:t> </a:t>
-            </a:r>
-            <a:r>
-              <a:rPr/>
-              <a:t>some</a:t>
-            </a:r>
-            <a:r>
-              <a:rPr/>
-              <a:t> </a:t>
+              <a:t>some </a:t>
             </a:r>
             <a:r>
               <a:rPr/>
@@ -3799,35 +3783,19 @@
             </a:pPr>
             <a:r>
               <a:rPr/>
-              <a:t>Here</a:t>
+              <a:t>Here </a:t>
             </a:r>
             <a:r>
               <a:rPr/>
-              <a:t> </a:t>
+              <a:t>is </a:t>
             </a:r>
             <a:r>
               <a:rPr/>
-              <a:t>is</a:t>
+              <a:t>a </a:t>
             </a:r>
             <a:r>
               <a:rPr/>
-              <a:t> </a:t>
-            </a:r>
-            <a:r>
-              <a:rPr/>
-              <a:t>a</a:t>
-            </a:r>
-            <a:r>
-              <a:rPr/>
-              <a:t> </a:t>
-            </a:r>
-            <a:r>
-              <a:rPr/>
-              <a:t>single</a:t>
-            </a:r>
-            <a:r>
-              <a:rPr/>
-              <a:t> </a:t>
+              <a:t>single </a:t>
             </a:r>
             <a:r>
               <a:rPr/>

--- a/test/pptx/speaker-notes-afterheader/deleted-layouts.pptx
+++ b/test/pptx/speaker-notes-afterheader/deleted-layouts.pptx
@@ -514,19 +514,35 @@
             </a:pPr>
             <a:r>
               <a:rPr/>
-              <a:t>and </a:t>
+              <a:t>and</a:t>
             </a:r>
             <a:r>
               <a:rPr/>
-              <a:t>here </a:t>
+              <a:t> </a:t>
             </a:r>
             <a:r>
               <a:rPr/>
-              <a:t>are </a:t>
+              <a:t>here</a:t>
             </a:r>
             <a:r>
               <a:rPr/>
-              <a:t>some </a:t>
+              <a:t> </a:t>
+            </a:r>
+            <a:r>
+              <a:rPr/>
+              <a:t>are</a:t>
+            </a:r>
+            <a:r>
+              <a:rPr/>
+              <a:t> </a:t>
+            </a:r>
+            <a:r>
+              <a:rPr/>
+              <a:t>some</a:t>
+            </a:r>
+            <a:r>
+              <a:rPr/>
+              <a:t> </a:t>
             </a:r>
             <a:r>
               <a:rPr/>
@@ -3783,19 +3799,35 @@
             </a:pPr>
             <a:r>
               <a:rPr/>
-              <a:t>Here </a:t>
+              <a:t>Here</a:t>
             </a:r>
             <a:r>
               <a:rPr/>
-              <a:t>is </a:t>
+              <a:t> </a:t>
             </a:r>
             <a:r>
               <a:rPr/>
-              <a:t>a </a:t>
+              <a:t>is</a:t>
             </a:r>
             <a:r>
               <a:rPr/>
-              <a:t>single </a:t>
+              <a:t> </a:t>
+            </a:r>
+            <a:r>
+              <a:rPr/>
+              <a:t>a</a:t>
+            </a:r>
+            <a:r>
+              <a:rPr/>
+              <a:t> </a:t>
+            </a:r>
+            <a:r>
+              <a:rPr/>
+              <a:t>single</a:t>
+            </a:r>
+            <a:r>
+              <a:rPr/>
+              <a:t> </a:t>
             </a:r>
             <a:r>
               <a:rPr/>
